--- a/Presentation/Web Survey System - SCRUM Update 1.pptx
+++ b/Presentation/Web Survey System - SCRUM Update 1.pptx
@@ -8,14 +8,15 @@
     <p:sldId id="256" r:id="rId2"/>
     <p:sldId id="257" r:id="rId3"/>
     <p:sldId id="258" r:id="rId4"/>
-    <p:sldId id="259" r:id="rId5"/>
-    <p:sldId id="265" r:id="rId6"/>
-    <p:sldId id="266" r:id="rId7"/>
-    <p:sldId id="261" r:id="rId8"/>
-    <p:sldId id="267" r:id="rId9"/>
-    <p:sldId id="268" r:id="rId10"/>
-    <p:sldId id="262" r:id="rId11"/>
-    <p:sldId id="264" r:id="rId12"/>
+    <p:sldId id="269" r:id="rId5"/>
+    <p:sldId id="259" r:id="rId6"/>
+    <p:sldId id="265" r:id="rId7"/>
+    <p:sldId id="266" r:id="rId8"/>
+    <p:sldId id="261" r:id="rId9"/>
+    <p:sldId id="267" r:id="rId10"/>
+    <p:sldId id="268" r:id="rId11"/>
+    <p:sldId id="262" r:id="rId12"/>
+    <p:sldId id="264" r:id="rId13"/>
   </p:sldIdLst>
   <p:sldSz cx="9144000" cy="6858000" type="screen4x3"/>
   <p:notesSz cx="6858000" cy="9144000"/>
@@ -310,7 +311,7 @@
           <a:p>
             <a:fld id="{ABF56861-68EC-4205-AFEB-264710E5100D}" type="datetimeFigureOut">
               <a:rPr lang="en-US" smtClean="0"/>
-              <a:t>3/12/2018</a:t>
+              <a:t>3/19/2018</a:t>
             </a:fld>
             <a:endParaRPr lang="en-US"/>
           </a:p>
@@ -575,7 +576,7 @@
           <a:p>
             <a:fld id="{ABF56861-68EC-4205-AFEB-264710E5100D}" type="datetimeFigureOut">
               <a:rPr lang="en-US" smtClean="0"/>
-              <a:t>3/12/2018</a:t>
+              <a:t>3/19/2018</a:t>
             </a:fld>
             <a:endParaRPr lang="en-US"/>
           </a:p>
@@ -750,7 +751,7 @@
           <a:p>
             <a:fld id="{ABF56861-68EC-4205-AFEB-264710E5100D}" type="datetimeFigureOut">
               <a:rPr lang="en-US" smtClean="0"/>
-              <a:t>3/12/2018</a:t>
+              <a:t>3/19/2018</a:t>
             </a:fld>
             <a:endParaRPr lang="en-US"/>
           </a:p>
@@ -915,7 +916,7 @@
           <a:p>
             <a:fld id="{ABF56861-68EC-4205-AFEB-264710E5100D}" type="datetimeFigureOut">
               <a:rPr lang="en-US" smtClean="0"/>
-              <a:t>3/12/2018</a:t>
+              <a:t>3/19/2018</a:t>
             </a:fld>
             <a:endParaRPr lang="en-US"/>
           </a:p>
@@ -1164,7 +1165,7 @@
           <a:p>
             <a:fld id="{ABF56861-68EC-4205-AFEB-264710E5100D}" type="datetimeFigureOut">
               <a:rPr lang="en-US" smtClean="0"/>
-              <a:t>3/12/2018</a:t>
+              <a:t>3/19/2018</a:t>
             </a:fld>
             <a:endParaRPr lang="en-US"/>
           </a:p>
@@ -1447,7 +1448,7 @@
           <a:p>
             <a:fld id="{ABF56861-68EC-4205-AFEB-264710E5100D}" type="datetimeFigureOut">
               <a:rPr lang="en-US" smtClean="0"/>
-              <a:t>3/12/2018</a:t>
+              <a:t>3/19/2018</a:t>
             </a:fld>
             <a:endParaRPr lang="en-US"/>
           </a:p>
@@ -1886,7 +1887,7 @@
           <a:p>
             <a:fld id="{ABF56861-68EC-4205-AFEB-264710E5100D}" type="datetimeFigureOut">
               <a:rPr lang="en-US" smtClean="0"/>
-              <a:t>3/12/2018</a:t>
+              <a:t>3/19/2018</a:t>
             </a:fld>
             <a:endParaRPr lang="en-US"/>
           </a:p>
@@ -1999,7 +2000,7 @@
           <a:p>
             <a:fld id="{ABF56861-68EC-4205-AFEB-264710E5100D}" type="datetimeFigureOut">
               <a:rPr lang="en-US" smtClean="0"/>
-              <a:t>3/12/2018</a:t>
+              <a:t>3/19/2018</a:t>
             </a:fld>
             <a:endParaRPr lang="en-US"/>
           </a:p>
@@ -2089,7 +2090,7 @@
           <a:p>
             <a:fld id="{ABF56861-68EC-4205-AFEB-264710E5100D}" type="datetimeFigureOut">
               <a:rPr lang="en-US" smtClean="0"/>
-              <a:t>3/12/2018</a:t>
+              <a:t>3/19/2018</a:t>
             </a:fld>
             <a:endParaRPr lang="en-US"/>
           </a:p>
@@ -2331,7 +2332,7 @@
           <a:p>
             <a:fld id="{ABF56861-68EC-4205-AFEB-264710E5100D}" type="datetimeFigureOut">
               <a:rPr lang="en-US" smtClean="0"/>
-              <a:t>3/12/2018</a:t>
+              <a:t>3/19/2018</a:t>
             </a:fld>
             <a:endParaRPr lang="en-US"/>
           </a:p>
@@ -2625,7 +2626,7 @@
           <a:p>
             <a:fld id="{ABF56861-68EC-4205-AFEB-264710E5100D}" type="datetimeFigureOut">
               <a:rPr lang="en-US" smtClean="0"/>
-              <a:t>3/12/2018</a:t>
+              <a:t>3/19/2018</a:t>
             </a:fld>
             <a:endParaRPr lang="en-US"/>
           </a:p>
@@ -2919,7 +2920,7 @@
           <a:p>
             <a:fld id="{ABF56861-68EC-4205-AFEB-264710E5100D}" type="datetimeFigureOut">
               <a:rPr lang="en-US" smtClean="0"/>
-              <a:t>3/12/2018</a:t>
+              <a:t>3/19/2018</a:t>
             </a:fld>
             <a:endParaRPr lang="en-US"/>
           </a:p>
@@ -3499,6 +3500,117 @@
         </p:nvSpPr>
         <p:spPr/>
         <p:txBody>
+          <a:bodyPr/>
+          <a:lstStyle/>
+          <a:p>
+            <a:r>
+              <a:rPr lang="en-US" dirty="0" smtClean="0"/>
+              <a:t>Christian</a:t>
+            </a:r>
+            <a:br>
+              <a:rPr lang="en-US" dirty="0" smtClean="0"/>
+            </a:br>
+            <a:r>
+              <a:rPr lang="en-US" dirty="0" smtClean="0"/>
+              <a:t>SCRUM Update</a:t>
+            </a:r>
+            <a:endParaRPr lang="en-US" dirty="0"/>
+          </a:p>
+        </p:txBody>
+      </p:sp>
+      <p:sp>
+        <p:nvSpPr>
+          <p:cNvPr id="3" name="Content Placeholder 2"/>
+          <p:cNvSpPr>
+            <a:spLocks noGrp="1"/>
+          </p:cNvSpPr>
+          <p:nvPr>
+            <p:ph idx="1"/>
+          </p:nvPr>
+        </p:nvSpPr>
+        <p:spPr/>
+        <p:txBody>
+          <a:bodyPr>
+            <a:normAutofit/>
+          </a:bodyPr>
+          <a:lstStyle/>
+          <a:p>
+            <a:r>
+              <a:rPr lang="en-US" dirty="0" smtClean="0"/>
+              <a:t>Work for This Week:</a:t>
+            </a:r>
+          </a:p>
+          <a:p>
+            <a:pPr marL="342900" indent="-342900">
+              <a:buFont typeface="Arial" pitchFamily="34" charset="0"/>
+              <a:buChar char="•"/>
+            </a:pPr>
+            <a:r>
+              <a:rPr lang="en-US" dirty="0" smtClean="0"/>
+              <a:t>Generate Excel Tables from Submitted Surveys</a:t>
+            </a:r>
+          </a:p>
+          <a:p>
+            <a:pPr marL="342900" indent="-342900">
+              <a:buFont typeface="Arial" pitchFamily="34" charset="0"/>
+              <a:buChar char="•"/>
+            </a:pPr>
+            <a:r>
+              <a:rPr lang="en-US" dirty="0" smtClean="0"/>
+              <a:t>User Interface Styling</a:t>
+            </a:r>
+          </a:p>
+        </p:txBody>
+      </p:sp>
+    </p:spTree>
+    <p:extLst>
+      <p:ext uri="{BB962C8B-B14F-4D97-AF65-F5344CB8AC3E}">
+        <p14:creationId xmlns:p14="http://schemas.microsoft.com/office/powerpoint/2010/main" val="3681355827"/>
+      </p:ext>
+    </p:extLst>
+  </p:cSld>
+  <p:clrMapOvr>
+    <a:masterClrMapping/>
+  </p:clrMapOvr>
+  <p:timing>
+    <p:tnLst>
+      <p:par>
+        <p:cTn id="1" dur="indefinite" restart="never" nodeType="tmRoot"/>
+      </p:par>
+    </p:tnLst>
+  </p:timing>
+</p:sld>
+</file>
+
+<file path=ppt/slides/slide11.xml><?xml version="1.0" encoding="utf-8"?>
+<p:sld xmlns:a="http://schemas.openxmlformats.org/drawingml/2006/main" xmlns:r="http://schemas.openxmlformats.org/officeDocument/2006/relationships" xmlns:p="http://schemas.openxmlformats.org/presentationml/2006/main">
+  <p:cSld>
+    <p:spTree>
+      <p:nvGrpSpPr>
+        <p:cNvPr id="1" name=""/>
+        <p:cNvGrpSpPr/>
+        <p:nvPr/>
+      </p:nvGrpSpPr>
+      <p:grpSpPr>
+        <a:xfrm>
+          <a:off x="0" y="0"/>
+          <a:ext cx="0" cy="0"/>
+          <a:chOff x="0" y="0"/>
+          <a:chExt cx="0" cy="0"/>
+        </a:xfrm>
+      </p:grpSpPr>
+      <p:sp>
+        <p:nvSpPr>
+          <p:cNvPr id="2" name="Title 1"/>
+          <p:cNvSpPr>
+            <a:spLocks noGrp="1"/>
+          </p:cNvSpPr>
+          <p:nvPr>
+            <p:ph type="title"/>
+          </p:nvPr>
+        </p:nvSpPr>
+        <p:spPr/>
+        <p:txBody>
           <a:bodyPr>
             <a:normAutofit/>
           </a:bodyPr>
@@ -3602,7 +3714,7 @@
 </p:sld>
 </file>
 
-<file path=ppt/slides/slide11.xml><?xml version="1.0" encoding="utf-8"?>
+<file path=ppt/slides/slide12.xml><?xml version="1.0" encoding="utf-8"?>
 <p:sld xmlns:a="http://schemas.openxmlformats.org/drawingml/2006/main" xmlns:r="http://schemas.openxmlformats.org/officeDocument/2006/relationships" xmlns:p="http://schemas.openxmlformats.org/presentationml/2006/main">
   <p:cSld>
     <p:spTree>
@@ -3807,7 +3919,6 @@
               <a:rPr lang="en-US" dirty="0" smtClean="0"/>
               <a:t>Completed:</a:t>
             </a:r>
-            <a:endParaRPr lang="en-US" dirty="0" smtClean="0"/>
           </a:p>
           <a:p>
             <a:pPr marL="342900" indent="-342900">
@@ -3865,8 +3976,38 @@
             <a:pPr marL="800100" lvl="1" indent="-342900"/>
             <a:r>
               <a:rPr lang="en-US" dirty="0" smtClean="0"/>
-              <a:t>Submit Responses to Database</a:t>
-            </a:r>
+              <a:t>Submit Responses to </a:t>
+            </a:r>
+            <a:r>
+              <a:rPr lang="en-US" dirty="0" smtClean="0"/>
+              <a:t>Database</a:t>
+            </a:r>
+          </a:p>
+          <a:p>
+            <a:pPr lvl="1" indent="0">
+              <a:buNone/>
+            </a:pPr>
+            <a:endParaRPr lang="en-US" sz="1800" dirty="0" smtClean="0">
+              <a:hlinkClick r:id="rId2"/>
+            </a:endParaRPr>
+          </a:p>
+          <a:p>
+            <a:pPr lvl="1" indent="0">
+              <a:buNone/>
+            </a:pPr>
+            <a:r>
+              <a:rPr lang="en-US" sz="1800" dirty="0" smtClean="0">
+                <a:hlinkClick r:id="rId2"/>
+              </a:rPr>
+              <a:t>http</a:t>
+            </a:r>
+            <a:r>
+              <a:rPr lang="en-US" sz="1800" dirty="0">
+                <a:hlinkClick r:id="rId2"/>
+              </a:rPr>
+              <a:t>://www.rrsurvey.net/survey.php?ID=Ygypzx9Yr5WkDfLUkvq3</a:t>
+            </a:r>
+            <a:endParaRPr lang="en-US" sz="1800" dirty="0" smtClean="0"/>
           </a:p>
         </p:txBody>
       </p:sp>
@@ -3954,8 +4095,13 @@
           <a:p>
             <a:r>
               <a:rPr lang="en-US" dirty="0" smtClean="0"/>
-              <a:t>Work for This Week:</a:t>
-            </a:r>
+              <a:t>Completed</a:t>
+            </a:r>
+            <a:r>
+              <a:rPr lang="en-US" dirty="0" smtClean="0"/>
+              <a:t>:</a:t>
+            </a:r>
+            <a:endParaRPr lang="en-US" dirty="0" smtClean="0"/>
           </a:p>
           <a:p>
             <a:pPr marL="342900" indent="-342900">
@@ -3971,20 +4117,17 @@
             <a:pPr marL="800100" lvl="1" indent="-342900"/>
             <a:r>
               <a:rPr lang="en-US" dirty="0" smtClean="0"/>
-              <a:t>Implement the User Interface</a:t>
+              <a:t>Implement </a:t>
+            </a:r>
+            <a:r>
+              <a:rPr lang="en-US" dirty="0" smtClean="0"/>
+              <a:t>Data Handling</a:t>
             </a:r>
           </a:p>
           <a:p>
             <a:pPr marL="800100" lvl="1" indent="-342900"/>
             <a:r>
               <a:rPr lang="en-US" dirty="0" smtClean="0"/>
-              <a:t>Implement Data Handling</a:t>
-            </a:r>
-          </a:p>
-          <a:p>
-            <a:pPr marL="800100" lvl="1" indent="-342900"/>
-            <a:r>
-              <a:rPr lang="en-US" dirty="0" smtClean="0"/>
               <a:t>Implement Department Functions</a:t>
             </a:r>
           </a:p>
@@ -3992,15 +4135,61 @@
             <a:pPr marL="1485900" lvl="2" indent="-342900"/>
             <a:r>
               <a:rPr lang="en-US" dirty="0" smtClean="0"/>
-              <a:t>Add Department to List</a:t>
+              <a:t>Add Department to </a:t>
+            </a:r>
+            <a:r>
+              <a:rPr lang="en-US" dirty="0" smtClean="0"/>
+              <a:t>List</a:t>
             </a:r>
           </a:p>
           <a:p>
             <a:pPr marL="1485900" lvl="2" indent="-342900"/>
             <a:r>
               <a:rPr lang="en-US" dirty="0" smtClean="0"/>
-              <a:t>Remove Department from List</a:t>
-            </a:r>
+              <a:t>Update Department in List</a:t>
+            </a:r>
+            <a:endParaRPr lang="en-US" dirty="0" smtClean="0"/>
+          </a:p>
+          <a:p>
+            <a:pPr marL="1485900" lvl="2" indent="-342900"/>
+            <a:r>
+              <a:rPr lang="en-US" dirty="0" smtClean="0"/>
+              <a:t>Remove Department from </a:t>
+            </a:r>
+            <a:r>
+              <a:rPr lang="en-US" dirty="0" smtClean="0"/>
+              <a:t>List</a:t>
+            </a:r>
+            <a:endParaRPr lang="en-US" dirty="0" smtClean="0"/>
+          </a:p>
+          <a:p>
+            <a:pPr lvl="1" indent="0">
+              <a:buNone/>
+            </a:pPr>
+            <a:r>
+              <a:rPr lang="en-US" dirty="0">
+                <a:hlinkClick r:id="rId2"/>
+              </a:rPr>
+              <a:t/>
+            </a:r>
+            <a:br>
+              <a:rPr lang="en-US" dirty="0">
+                <a:hlinkClick r:id="rId2"/>
+              </a:rPr>
+            </a:br>
+            <a:r>
+              <a:rPr lang="en-US" sz="2000" dirty="0" smtClean="0">
+                <a:hlinkClick r:id="rId2"/>
+              </a:rPr>
+              <a:t>http</a:t>
+            </a:r>
+            <a:r>
+              <a:rPr lang="en-US" sz="2000" dirty="0">
+                <a:hlinkClick r:id="rId2"/>
+              </a:rPr>
+              <a:t>://www.rrsurvey.net/createsurvey.php</a:t>
+            </a:r>
+            <a:endParaRPr lang="en-US" sz="2000" dirty="0" smtClean="0"/>
           </a:p>
         </p:txBody>
       </p:sp>
@@ -4057,17 +4246,16 @@
           <a:lstStyle/>
           <a:p>
             <a:r>
-              <a:rPr lang="en-US" dirty="0" smtClean="0"/>
-              <a:t>Billy</a:t>
+              <a:rPr lang="en-US" dirty="0"/>
+              <a:t>Andreas</a:t>
             </a:r>
             <a:br>
-              <a:rPr lang="en-US" dirty="0" smtClean="0"/>
+              <a:rPr lang="en-US" dirty="0"/>
             </a:br>
             <a:r>
-              <a:rPr lang="en-US" dirty="0" smtClean="0"/>
-              <a:t>Scrum Update</a:t>
-            </a:r>
-            <a:endParaRPr lang="en-US" dirty="0"/>
+              <a:rPr lang="en-US" dirty="0"/>
+              <a:t>SCRUM Update</a:t>
+            </a:r>
           </a:p>
         </p:txBody>
       </p:sp>
@@ -4088,7 +4276,7 @@
           <a:p>
             <a:r>
               <a:rPr lang="en-US" dirty="0" smtClean="0"/>
-              <a:t>Completed:</a:t>
+              <a:t>Work for This Week:</a:t>
             </a:r>
           </a:p>
           <a:p>
@@ -4098,51 +4286,48 @@
             </a:pPr>
             <a:r>
               <a:rPr lang="en-US" dirty="0" smtClean="0"/>
-              <a:t>Admin Page – Manage Survey Tab</a:t>
+              <a:t>Admin Page – New Survey Tab</a:t>
             </a:r>
           </a:p>
           <a:p>
             <a:pPr marL="800100" lvl="1" indent="-342900"/>
             <a:r>
-              <a:rPr lang="en-US" dirty="0" smtClean="0"/>
-              <a:t>Generate Company Table</a:t>
+              <a:rPr lang="en-US" dirty="0"/>
+              <a:t>Implement </a:t>
+            </a:r>
+            <a:r>
+              <a:rPr lang="en-US" dirty="0" smtClean="0"/>
+              <a:t>Remainder of User Interface</a:t>
             </a:r>
           </a:p>
           <a:p>
             <a:pPr marL="800100" lvl="1" indent="-342900"/>
             <a:r>
               <a:rPr lang="en-US" dirty="0" smtClean="0"/>
-              <a:t>Generate Survey Table</a:t>
-            </a:r>
-            <a:endParaRPr lang="en-US" dirty="0" smtClean="0"/>
+              <a:t>Implement Question Selection Functionality</a:t>
+            </a:r>
           </a:p>
           <a:p>
             <a:pPr marL="800100" lvl="1" indent="-342900"/>
             <a:r>
               <a:rPr lang="en-US" dirty="0" smtClean="0"/>
-              <a:t>Generate Department Table</a:t>
+              <a:t>Validate User Input &amp; Selections</a:t>
             </a:r>
           </a:p>
           <a:p>
             <a:pPr marL="800100" lvl="1" indent="-342900"/>
             <a:r>
               <a:rPr lang="en-US" dirty="0" smtClean="0"/>
-              <a:t>Generate Participant Table</a:t>
-            </a:r>
-          </a:p>
-          <a:p>
-            <a:pPr marL="800100" lvl="1" indent="-342900"/>
-            <a:r>
-              <a:rPr lang="en-US" dirty="0" smtClean="0"/>
-              <a:t>Implement Edit View</a:t>
-            </a:r>
+              <a:t>Submit New Survey to Database</a:t>
+            </a:r>
+            <a:endParaRPr lang="en-US" dirty="0"/>
           </a:p>
         </p:txBody>
       </p:sp>
     </p:spTree>
     <p:extLst>
       <p:ext uri="{BB962C8B-B14F-4D97-AF65-F5344CB8AC3E}">
-        <p14:creationId xmlns:p14="http://schemas.microsoft.com/office/powerpoint/2010/main" val="1723010188"/>
+        <p14:creationId xmlns:p14="http://schemas.microsoft.com/office/powerpoint/2010/main" val="2426852249"/>
       </p:ext>
     </p:extLst>
   </p:cSld>
@@ -4223,7 +4408,7 @@
           <a:p>
             <a:r>
               <a:rPr lang="en-US" dirty="0" smtClean="0"/>
-              <a:t>Issues Encountered:</a:t>
+              <a:t>Completed:</a:t>
             </a:r>
           </a:p>
           <a:p>
@@ -4240,14 +4425,35 @@
             <a:pPr marL="800100" lvl="1" indent="-342900"/>
             <a:r>
               <a:rPr lang="en-US" dirty="0" smtClean="0"/>
-              <a:t>Editing and Adding Entries Without New Page</a:t>
+              <a:t>Generate Company Table</a:t>
             </a:r>
           </a:p>
           <a:p>
             <a:pPr marL="800100" lvl="1" indent="-342900"/>
             <a:r>
               <a:rPr lang="en-US" dirty="0" smtClean="0"/>
-              <a:t>Implementing the Views onto a Single Page</a:t>
+              <a:t>Generate Survey Table</a:t>
+            </a:r>
+          </a:p>
+          <a:p>
+            <a:pPr marL="800100" lvl="1" indent="-342900"/>
+            <a:r>
+              <a:rPr lang="en-US" dirty="0" smtClean="0"/>
+              <a:t>Generate Department Table</a:t>
+            </a:r>
+          </a:p>
+          <a:p>
+            <a:pPr marL="800100" lvl="1" indent="-342900"/>
+            <a:r>
+              <a:rPr lang="en-US" dirty="0" smtClean="0"/>
+              <a:t>Generate Participant Table</a:t>
+            </a:r>
+          </a:p>
+          <a:p>
+            <a:pPr marL="800100" lvl="1" indent="-342900"/>
+            <a:r>
+              <a:rPr lang="en-US" dirty="0" smtClean="0"/>
+              <a:t>Implement Edit View</a:t>
             </a:r>
           </a:p>
         </p:txBody>
@@ -4255,7 +4461,7 @@
     </p:spTree>
     <p:extLst>
       <p:ext uri="{BB962C8B-B14F-4D97-AF65-F5344CB8AC3E}">
-        <p14:creationId xmlns:p14="http://schemas.microsoft.com/office/powerpoint/2010/main" val="1692546763"/>
+        <p14:creationId xmlns:p14="http://schemas.microsoft.com/office/powerpoint/2010/main" val="1723010188"/>
       </p:ext>
     </p:extLst>
   </p:cSld>
@@ -4336,7 +4542,7 @@
           <a:p>
             <a:r>
               <a:rPr lang="en-US" dirty="0" smtClean="0"/>
-              <a:t>Work for This Week:</a:t>
+              <a:t>Issues Encountered:</a:t>
             </a:r>
           </a:p>
           <a:p>
@@ -4353,21 +4559,14 @@
             <a:pPr marL="800100" lvl="1" indent="-342900"/>
             <a:r>
               <a:rPr lang="en-US" dirty="0" smtClean="0"/>
-              <a:t>Implement Navigation Between Views</a:t>
+              <a:t>Editing and Adding Entries Without New Page</a:t>
             </a:r>
           </a:p>
           <a:p>
             <a:pPr marL="800100" lvl="1" indent="-342900"/>
             <a:r>
               <a:rPr lang="en-US" dirty="0" smtClean="0"/>
-              <a:t>Fixing the Edit and Add Features</a:t>
-            </a:r>
-          </a:p>
-          <a:p>
-            <a:pPr marL="800100" lvl="1" indent="-342900"/>
-            <a:r>
-              <a:rPr lang="en-US" dirty="0" smtClean="0"/>
-              <a:t>Working Towards Implementing Report Generating</a:t>
+              <a:t>Implementing the Views onto a Single Page</a:t>
             </a:r>
           </a:p>
         </p:txBody>
@@ -4375,7 +4574,7 @@
     </p:spTree>
     <p:extLst>
       <p:ext uri="{BB962C8B-B14F-4D97-AF65-F5344CB8AC3E}">
-        <p14:creationId xmlns:p14="http://schemas.microsoft.com/office/powerpoint/2010/main" val="1666855512"/>
+        <p14:creationId xmlns:p14="http://schemas.microsoft.com/office/powerpoint/2010/main" val="1692546763"/>
       </p:ext>
     </p:extLst>
   </p:cSld>
@@ -4426,14 +4625,14 @@
           <a:p>
             <a:r>
               <a:rPr lang="en-US" dirty="0" smtClean="0"/>
-              <a:t>Christian</a:t>
+              <a:t>Billy</a:t>
             </a:r>
             <a:br>
               <a:rPr lang="en-US" dirty="0" smtClean="0"/>
             </a:br>
             <a:r>
               <a:rPr lang="en-US" dirty="0" smtClean="0"/>
-              <a:t>SCRUM Update</a:t>
+              <a:t>Scrum Update</a:t>
             </a:r>
             <a:endParaRPr lang="en-US" dirty="0"/>
           </a:p>
@@ -4451,14 +4650,12 @@
         </p:nvSpPr>
         <p:spPr/>
         <p:txBody>
-          <a:bodyPr>
-            <a:normAutofit/>
-          </a:bodyPr>
-          <a:lstStyle/>
-          <a:p>
-            <a:r>
-              <a:rPr lang="en-US" dirty="0" smtClean="0"/>
-              <a:t>Completed:</a:t>
+          <a:bodyPr/>
+          <a:lstStyle/>
+          <a:p>
+            <a:r>
+              <a:rPr lang="en-US" dirty="0" smtClean="0"/>
+              <a:t>Work for This Week:</a:t>
             </a:r>
           </a:p>
           <a:p>
@@ -4468,37 +4665,36 @@
             </a:pPr>
             <a:r>
               <a:rPr lang="en-US" dirty="0" smtClean="0"/>
-              <a:t>Admin Page</a:t>
+              <a:t>Admin Page – Manage Survey Tab</a:t>
             </a:r>
           </a:p>
           <a:p>
             <a:pPr marL="800100" lvl="1" indent="-342900"/>
             <a:r>
               <a:rPr lang="en-US" dirty="0" smtClean="0"/>
-              <a:t>Implemented Login Page</a:t>
+              <a:t>Implement Navigation Between Views</a:t>
             </a:r>
           </a:p>
           <a:p>
             <a:pPr marL="800100" lvl="1" indent="-342900"/>
             <a:r>
               <a:rPr lang="en-US" dirty="0" smtClean="0"/>
-              <a:t>Implemented User Authentication</a:t>
+              <a:t>Fixing the Edit and Add Features</a:t>
             </a:r>
           </a:p>
           <a:p>
             <a:pPr marL="800100" lvl="1" indent="-342900"/>
             <a:r>
               <a:rPr lang="en-US" dirty="0" smtClean="0"/>
-              <a:t>Coded Admin Page Tab Structure</a:t>
-            </a:r>
-            <a:endParaRPr lang="en-US" dirty="0" smtClean="0"/>
+              <a:t>Working Towards Implementing Report Generating</a:t>
+            </a:r>
           </a:p>
         </p:txBody>
       </p:sp>
     </p:spTree>
     <p:extLst>
       <p:ext uri="{BB962C8B-B14F-4D97-AF65-F5344CB8AC3E}">
-        <p14:creationId xmlns:p14="http://schemas.microsoft.com/office/powerpoint/2010/main" val="394228129"/>
+        <p14:creationId xmlns:p14="http://schemas.microsoft.com/office/powerpoint/2010/main" val="1666855512"/>
       </p:ext>
     </p:extLst>
   </p:cSld>
@@ -4581,7 +4777,7 @@
           <a:p>
             <a:r>
               <a:rPr lang="en-US" dirty="0" smtClean="0"/>
-              <a:t>Issues Encountered:</a:t>
+              <a:t>Completed:</a:t>
             </a:r>
           </a:p>
           <a:p>
@@ -4591,27 +4787,28 @@
             </a:pPr>
             <a:r>
               <a:rPr lang="en-US" dirty="0" smtClean="0"/>
-              <a:t>Session / Token Handling</a:t>
-            </a:r>
-          </a:p>
-          <a:p>
-            <a:pPr marL="342900" indent="-342900">
-              <a:buFont typeface="Arial" pitchFamily="34" charset="0"/>
-              <a:buChar char="•"/>
-            </a:pPr>
-            <a:r>
-              <a:rPr lang="en-US" dirty="0" smtClean="0"/>
-              <a:t>Working with JavaScript for the Login Page</a:t>
-            </a:r>
-          </a:p>
-          <a:p>
-            <a:pPr marL="342900" indent="-342900">
-              <a:buFont typeface="Arial" pitchFamily="34" charset="0"/>
-              <a:buChar char="•"/>
-            </a:pPr>
-            <a:r>
-              <a:rPr lang="en-US" dirty="0" smtClean="0"/>
-              <a:t>Implementing a Log Out Feature</a:t>
+              <a:t>Admin Page</a:t>
+            </a:r>
+          </a:p>
+          <a:p>
+            <a:pPr marL="800100" lvl="1" indent="-342900"/>
+            <a:r>
+              <a:rPr lang="en-US" dirty="0" smtClean="0"/>
+              <a:t>Implemented Login Page</a:t>
+            </a:r>
+          </a:p>
+          <a:p>
+            <a:pPr marL="800100" lvl="1" indent="-342900"/>
+            <a:r>
+              <a:rPr lang="en-US" dirty="0" smtClean="0"/>
+              <a:t>Implemented User Authentication</a:t>
+            </a:r>
+          </a:p>
+          <a:p>
+            <a:pPr marL="800100" lvl="1" indent="-342900"/>
+            <a:r>
+              <a:rPr lang="en-US" dirty="0" smtClean="0"/>
+              <a:t>Coded Admin Page Tab Structure</a:t>
             </a:r>
           </a:p>
         </p:txBody>
@@ -4619,7 +4816,7 @@
     </p:spTree>
     <p:extLst>
       <p:ext uri="{BB962C8B-B14F-4D97-AF65-F5344CB8AC3E}">
-        <p14:creationId xmlns:p14="http://schemas.microsoft.com/office/powerpoint/2010/main" val="3635771454"/>
+        <p14:creationId xmlns:p14="http://schemas.microsoft.com/office/powerpoint/2010/main" val="394228129"/>
       </p:ext>
     </p:extLst>
   </p:cSld>
@@ -4702,7 +4899,7 @@
           <a:p>
             <a:r>
               <a:rPr lang="en-US" dirty="0" smtClean="0"/>
-              <a:t>Work for This Week:</a:t>
+              <a:t>Issues Encountered:</a:t>
             </a:r>
           </a:p>
           <a:p>
@@ -4712,7 +4909,7 @@
             </a:pPr>
             <a:r>
               <a:rPr lang="en-US" dirty="0" smtClean="0"/>
-              <a:t>Generate Excel Tables from Submitted Surveys</a:t>
+              <a:t>Session / Token Handling</a:t>
             </a:r>
           </a:p>
           <a:p>
@@ -4722,7 +4919,17 @@
             </a:pPr>
             <a:r>
               <a:rPr lang="en-US" dirty="0" smtClean="0"/>
-              <a:t>User Interface Styling</a:t>
+              <a:t>Working with JavaScript for the Login Page</a:t>
+            </a:r>
+          </a:p>
+          <a:p>
+            <a:pPr marL="342900" indent="-342900">
+              <a:buFont typeface="Arial" pitchFamily="34" charset="0"/>
+              <a:buChar char="•"/>
+            </a:pPr>
+            <a:r>
+              <a:rPr lang="en-US" dirty="0" smtClean="0"/>
+              <a:t>Implementing a Log Out Feature</a:t>
             </a:r>
           </a:p>
         </p:txBody>
@@ -4730,7 +4937,7 @@
     </p:spTree>
     <p:extLst>
       <p:ext uri="{BB962C8B-B14F-4D97-AF65-F5344CB8AC3E}">
-        <p14:creationId xmlns:p14="http://schemas.microsoft.com/office/powerpoint/2010/main" val="3681355827"/>
+        <p14:creationId xmlns:p14="http://schemas.microsoft.com/office/powerpoint/2010/main" val="3635771454"/>
       </p:ext>
     </p:extLst>
   </p:cSld>

--- a/Presentation/Web Survey System - SCRUM Update 1.pptx
+++ b/Presentation/Web Survey System - SCRUM Update 1.pptx
@@ -311,6 +311,7 @@
           <a:p>
             <a:fld id="{ABF56861-68EC-4205-AFEB-264710E5100D}" type="datetimeFigureOut">
               <a:rPr lang="en-US" smtClean="0"/>
+              <a:pPr/>
               <a:t>3/19/2018</a:t>
             </a:fld>
             <a:endParaRPr lang="en-US"/>
@@ -453,6 +454,7 @@
           <a:p>
             <a:fld id="{06481199-5C05-4F91-9840-1D0CC443CEBA}" type="slidenum">
               <a:rPr lang="en-US" smtClean="0"/>
+              <a:pPr/>
               <a:t>‹#›</a:t>
             </a:fld>
             <a:endParaRPr lang="en-US"/>
@@ -576,6 +578,7 @@
           <a:p>
             <a:fld id="{ABF56861-68EC-4205-AFEB-264710E5100D}" type="datetimeFigureOut">
               <a:rPr lang="en-US" smtClean="0"/>
+              <a:pPr/>
               <a:t>3/19/2018</a:t>
             </a:fld>
             <a:endParaRPr lang="en-US"/>
@@ -618,6 +621,7 @@
           <a:p>
             <a:fld id="{06481199-5C05-4F91-9840-1D0CC443CEBA}" type="slidenum">
               <a:rPr lang="en-US" smtClean="0"/>
+              <a:pPr/>
               <a:t>‹#›</a:t>
             </a:fld>
             <a:endParaRPr lang="en-US"/>
@@ -751,6 +755,7 @@
           <a:p>
             <a:fld id="{ABF56861-68EC-4205-AFEB-264710E5100D}" type="datetimeFigureOut">
               <a:rPr lang="en-US" smtClean="0"/>
+              <a:pPr/>
               <a:t>3/19/2018</a:t>
             </a:fld>
             <a:endParaRPr lang="en-US"/>
@@ -793,6 +798,7 @@
           <a:p>
             <a:fld id="{06481199-5C05-4F91-9840-1D0CC443CEBA}" type="slidenum">
               <a:rPr lang="en-US" smtClean="0"/>
+              <a:pPr/>
               <a:t>‹#›</a:t>
             </a:fld>
             <a:endParaRPr lang="en-US"/>
@@ -916,6 +922,7 @@
           <a:p>
             <a:fld id="{ABF56861-68EC-4205-AFEB-264710E5100D}" type="datetimeFigureOut">
               <a:rPr lang="en-US" smtClean="0"/>
+              <a:pPr/>
               <a:t>3/19/2018</a:t>
             </a:fld>
             <a:endParaRPr lang="en-US"/>
@@ -958,6 +965,7 @@
           <a:p>
             <a:fld id="{06481199-5C05-4F91-9840-1D0CC443CEBA}" type="slidenum">
               <a:rPr lang="en-US" smtClean="0"/>
+              <a:pPr/>
               <a:t>‹#›</a:t>
             </a:fld>
             <a:endParaRPr lang="en-US"/>
@@ -1165,6 +1173,7 @@
           <a:p>
             <a:fld id="{ABF56861-68EC-4205-AFEB-264710E5100D}" type="datetimeFigureOut">
               <a:rPr lang="en-US" smtClean="0"/>
+              <a:pPr/>
               <a:t>3/19/2018</a:t>
             </a:fld>
             <a:endParaRPr lang="en-US"/>
@@ -1188,6 +1197,7 @@
           <a:p>
             <a:fld id="{06481199-5C05-4F91-9840-1D0CC443CEBA}" type="slidenum">
               <a:rPr lang="en-US" smtClean="0"/>
+              <a:pPr/>
               <a:t>‹#›</a:t>
             </a:fld>
             <a:endParaRPr lang="en-US"/>
@@ -1448,6 +1458,7 @@
           <a:p>
             <a:fld id="{ABF56861-68EC-4205-AFEB-264710E5100D}" type="datetimeFigureOut">
               <a:rPr lang="en-US" smtClean="0"/>
+              <a:pPr/>
               <a:t>3/19/2018</a:t>
             </a:fld>
             <a:endParaRPr lang="en-US"/>
@@ -1490,6 +1501,7 @@
           <a:p>
             <a:fld id="{06481199-5C05-4F91-9840-1D0CC443CEBA}" type="slidenum">
               <a:rPr lang="en-US" smtClean="0"/>
+              <a:pPr/>
               <a:t>‹#›</a:t>
             </a:fld>
             <a:endParaRPr lang="en-US"/>
@@ -1887,6 +1899,7 @@
           <a:p>
             <a:fld id="{ABF56861-68EC-4205-AFEB-264710E5100D}" type="datetimeFigureOut">
               <a:rPr lang="en-US" smtClean="0"/>
+              <a:pPr/>
               <a:t>3/19/2018</a:t>
             </a:fld>
             <a:endParaRPr lang="en-US"/>
@@ -1929,6 +1942,7 @@
           <a:p>
             <a:fld id="{06481199-5C05-4F91-9840-1D0CC443CEBA}" type="slidenum">
               <a:rPr lang="en-US" smtClean="0"/>
+              <a:pPr/>
               <a:t>‹#›</a:t>
             </a:fld>
             <a:endParaRPr lang="en-US"/>
@@ -2000,6 +2014,7 @@
           <a:p>
             <a:fld id="{ABF56861-68EC-4205-AFEB-264710E5100D}" type="datetimeFigureOut">
               <a:rPr lang="en-US" smtClean="0"/>
+              <a:pPr/>
               <a:t>3/19/2018</a:t>
             </a:fld>
             <a:endParaRPr lang="en-US"/>
@@ -2042,6 +2057,7 @@
           <a:p>
             <a:fld id="{06481199-5C05-4F91-9840-1D0CC443CEBA}" type="slidenum">
               <a:rPr lang="en-US" smtClean="0"/>
+              <a:pPr/>
               <a:t>‹#›</a:t>
             </a:fld>
             <a:endParaRPr lang="en-US"/>
@@ -2090,6 +2106,7 @@
           <a:p>
             <a:fld id="{ABF56861-68EC-4205-AFEB-264710E5100D}" type="datetimeFigureOut">
               <a:rPr lang="en-US" smtClean="0"/>
+              <a:pPr/>
               <a:t>3/19/2018</a:t>
             </a:fld>
             <a:endParaRPr lang="en-US"/>
@@ -2132,6 +2149,7 @@
           <a:p>
             <a:fld id="{06481199-5C05-4F91-9840-1D0CC443CEBA}" type="slidenum">
               <a:rPr lang="en-US" smtClean="0"/>
+              <a:pPr/>
               <a:t>‹#›</a:t>
             </a:fld>
             <a:endParaRPr lang="en-US"/>
@@ -2332,6 +2350,7 @@
           <a:p>
             <a:fld id="{ABF56861-68EC-4205-AFEB-264710E5100D}" type="datetimeFigureOut">
               <a:rPr lang="en-US" smtClean="0"/>
+              <a:pPr/>
               <a:t>3/19/2018</a:t>
             </a:fld>
             <a:endParaRPr lang="en-US"/>
@@ -2374,6 +2393,7 @@
           <a:p>
             <a:fld id="{06481199-5C05-4F91-9840-1D0CC443CEBA}" type="slidenum">
               <a:rPr lang="en-US" smtClean="0"/>
+              <a:pPr/>
               <a:t>‹#›</a:t>
             </a:fld>
             <a:endParaRPr lang="en-US"/>
@@ -2626,6 +2646,7 @@
           <a:p>
             <a:fld id="{ABF56861-68EC-4205-AFEB-264710E5100D}" type="datetimeFigureOut">
               <a:rPr lang="en-US" smtClean="0"/>
+              <a:pPr/>
               <a:t>3/19/2018</a:t>
             </a:fld>
             <a:endParaRPr lang="en-US"/>
@@ -2676,6 +2697,7 @@
           <a:p>
             <a:fld id="{06481199-5C05-4F91-9840-1D0CC443CEBA}" type="slidenum">
               <a:rPr lang="en-US" smtClean="0"/>
+              <a:pPr/>
               <a:t>‹#›</a:t>
             </a:fld>
             <a:endParaRPr lang="en-US"/>
@@ -2920,6 +2942,7 @@
           <a:p>
             <a:fld id="{ABF56861-68EC-4205-AFEB-264710E5100D}" type="datetimeFigureOut">
               <a:rPr lang="en-US" smtClean="0"/>
+              <a:pPr/>
               <a:t>3/19/2018</a:t>
             </a:fld>
             <a:endParaRPr lang="en-US"/>
@@ -2994,6 +3017,7 @@
           <a:p>
             <a:fld id="{06481199-5C05-4F91-9840-1D0CC443CEBA}" type="slidenum">
               <a:rPr lang="en-US" smtClean="0"/>
+              <a:pPr/>
               <a:t>‹#›</a:t>
             </a:fld>
             <a:endParaRPr lang="en-US"/>
@@ -3547,8 +3571,13 @@
             </a:pPr>
             <a:r>
               <a:rPr lang="en-US" dirty="0" smtClean="0"/>
-              <a:t>Generate Excel Tables from Submitted Surveys</a:t>
-            </a:r>
+              <a:t>Generate Excel Tables from </a:t>
+            </a:r>
+            <a:r>
+              <a:rPr lang="en-US" smtClean="0"/>
+              <a:t>Submitted Surveys</a:t>
+            </a:r>
+            <a:endParaRPr lang="en-US" dirty="0" smtClean="0"/>
           </a:p>
           <a:p>
             <a:pPr marL="342900" indent="-342900">
@@ -3976,11 +4005,7 @@
             <a:pPr marL="800100" lvl="1" indent="-342900"/>
             <a:r>
               <a:rPr lang="en-US" dirty="0" smtClean="0"/>
-              <a:t>Submit Responses to </a:t>
-            </a:r>
-            <a:r>
-              <a:rPr lang="en-US" dirty="0" smtClean="0"/>
-              <a:t>Database</a:t>
+              <a:t>Submit Responses to Database</a:t>
             </a:r>
           </a:p>
           <a:p>
@@ -4095,13 +4120,8 @@
           <a:p>
             <a:r>
               <a:rPr lang="en-US" dirty="0" smtClean="0"/>
-              <a:t>Completed</a:t>
-            </a:r>
-            <a:r>
-              <a:rPr lang="en-US" dirty="0" smtClean="0"/>
-              <a:t>:</a:t>
-            </a:r>
-            <a:endParaRPr lang="en-US" dirty="0" smtClean="0"/>
+              <a:t>Completed:</a:t>
+            </a:r>
           </a:p>
           <a:p>
             <a:pPr marL="342900" indent="-342900">
@@ -4117,11 +4137,7 @@
             <a:pPr marL="800100" lvl="1" indent="-342900"/>
             <a:r>
               <a:rPr lang="en-US" dirty="0" smtClean="0"/>
-              <a:t>Implement </a:t>
-            </a:r>
-            <a:r>
-              <a:rPr lang="en-US" dirty="0" smtClean="0"/>
-              <a:t>Data Handling</a:t>
+              <a:t>Implement Data Handling</a:t>
             </a:r>
           </a:p>
           <a:p>
@@ -4135,11 +4151,7 @@
             <a:pPr marL="1485900" lvl="2" indent="-342900"/>
             <a:r>
               <a:rPr lang="en-US" dirty="0" smtClean="0"/>
-              <a:t>Add Department to </a:t>
-            </a:r>
-            <a:r>
-              <a:rPr lang="en-US" dirty="0" smtClean="0"/>
-              <a:t>List</a:t>
+              <a:t>Add Department to List</a:t>
             </a:r>
           </a:p>
           <a:p>
@@ -4148,19 +4160,13 @@
               <a:rPr lang="en-US" dirty="0" smtClean="0"/>
               <a:t>Update Department in List</a:t>
             </a:r>
-            <a:endParaRPr lang="en-US" dirty="0" smtClean="0"/>
           </a:p>
           <a:p>
             <a:pPr marL="1485900" lvl="2" indent="-342900"/>
             <a:r>
               <a:rPr lang="en-US" dirty="0" smtClean="0"/>
-              <a:t>Remove Department from </a:t>
-            </a:r>
-            <a:r>
-              <a:rPr lang="en-US" dirty="0" smtClean="0"/>
-              <a:t>List</a:t>
-            </a:r>
-            <a:endParaRPr lang="en-US" dirty="0" smtClean="0"/>
+              <a:t>Remove Department from List</a:t>
+            </a:r>
           </a:p>
           <a:p>
             <a:pPr lvl="1" indent="0">
@@ -4808,7 +4814,28 @@
             <a:pPr marL="800100" lvl="1" indent="-342900"/>
             <a:r>
               <a:rPr lang="en-US" dirty="0" smtClean="0"/>
-              <a:t>Coded Admin Page Tab Structure</a:t>
+              <a:t>Control Panel design</a:t>
+            </a:r>
+          </a:p>
+          <a:p>
+            <a:pPr marL="800100" lvl="1" indent="-342900"/>
+            <a:endParaRPr lang="en-US" dirty="0" smtClean="0"/>
+          </a:p>
+          <a:p>
+            <a:pPr marL="457200" indent="-457200">
+              <a:buFont typeface="Arial" pitchFamily="34" charset="0"/>
+              <a:buChar char="•"/>
+            </a:pPr>
+            <a:r>
+              <a:rPr lang="en-US" dirty="0" smtClean="0"/>
+              <a:t>Manage Surveys Page</a:t>
+            </a:r>
+          </a:p>
+          <a:p>
+            <a:pPr marL="914400" lvl="1" indent="-457200"/>
+            <a:r>
+              <a:rPr lang="en-US" dirty="0" smtClean="0"/>
+              <a:t>Defined structure for excel report</a:t>
             </a:r>
           </a:p>
         </p:txBody>
@@ -4909,7 +4936,7 @@
             </a:pPr>
             <a:r>
               <a:rPr lang="en-US" dirty="0" smtClean="0"/>
-              <a:t>Session / Token Handling</a:t>
+              <a:t>Session / Token Handling for admin pages</a:t>
             </a:r>
           </a:p>
           <a:p>
@@ -4919,7 +4946,7 @@
             </a:pPr>
             <a:r>
               <a:rPr lang="en-US" dirty="0" smtClean="0"/>
-              <a:t>Working with JavaScript for the Login Page</a:t>
+              <a:t>Implementing a Log Out Feature</a:t>
             </a:r>
           </a:p>
           <a:p>
@@ -4929,7 +4956,33 @@
             </a:pPr>
             <a:r>
               <a:rPr lang="en-US" dirty="0" smtClean="0"/>
-              <a:t>Implementing a Log Out Feature</a:t>
+              <a:t>Password file security</a:t>
+            </a:r>
+          </a:p>
+          <a:p>
+            <a:pPr marL="342900" indent="-342900">
+              <a:buFont typeface="Arial" pitchFamily="34" charset="0"/>
+              <a:buChar char="•"/>
+            </a:pPr>
+            <a:r>
+              <a:rPr lang="en-US" dirty="0" smtClean="0"/>
+              <a:t>Excel Report Approach (.</a:t>
+            </a:r>
+            <a:r>
+              <a:rPr lang="en-US" dirty="0" err="1" smtClean="0"/>
+              <a:t>xlsx</a:t>
+            </a:r>
+            <a:r>
+              <a:rPr lang="en-US" dirty="0" smtClean="0"/>
+              <a:t> or .</a:t>
+            </a:r>
+            <a:r>
+              <a:rPr lang="en-US" dirty="0" err="1" smtClean="0"/>
+              <a:t>csv</a:t>
+            </a:r>
+            <a:r>
+              <a:rPr lang="en-US" dirty="0" smtClean="0"/>
+              <a:t>)</a:t>
             </a:r>
           </a:p>
         </p:txBody>
